--- a/Parcial 1/practica2.pptx
+++ b/Parcial 1/practica2.pptx
@@ -104,6 +104,11 @@
       </a:defRPr>
     </a:lvl9pPr>
   </p:defaultTextStyle>
+  <p:extLst>
+    <p:ext uri="{EFAFB233-063F-42B5-8137-9DF3F51BA10A}">
+      <p15:sldGuideLst xmlns:p15="http://schemas.microsoft.com/office/powerpoint/2012/main"/>
+    </p:ext>
+  </p:extLst>
 </p:presentation>
 </file>
 
@@ -238,7 +243,7 @@
           <a:p>
             <a:fld id="{660F7321-5814-4CA6-BE0B-338FDB8CD166}" type="datetimeFigureOut">
               <a:rPr lang="es-MX" smtClean="0"/>
-              <a:t>13/02/2025</a:t>
+              <a:t>18/02/2025</a:t>
             </a:fld>
             <a:endParaRPr lang="es-MX"/>
           </a:p>
@@ -408,7 +413,7 @@
           <a:p>
             <a:fld id="{660F7321-5814-4CA6-BE0B-338FDB8CD166}" type="datetimeFigureOut">
               <a:rPr lang="es-MX" smtClean="0"/>
-              <a:t>13/02/2025</a:t>
+              <a:t>18/02/2025</a:t>
             </a:fld>
             <a:endParaRPr lang="es-MX"/>
           </a:p>
@@ -588,7 +593,7 @@
           <a:p>
             <a:fld id="{660F7321-5814-4CA6-BE0B-338FDB8CD166}" type="datetimeFigureOut">
               <a:rPr lang="es-MX" smtClean="0"/>
-              <a:t>13/02/2025</a:t>
+              <a:t>18/02/2025</a:t>
             </a:fld>
             <a:endParaRPr lang="es-MX"/>
           </a:p>
@@ -758,7 +763,7 @@
           <a:p>
             <a:fld id="{660F7321-5814-4CA6-BE0B-338FDB8CD166}" type="datetimeFigureOut">
               <a:rPr lang="es-MX" smtClean="0"/>
-              <a:t>13/02/2025</a:t>
+              <a:t>18/02/2025</a:t>
             </a:fld>
             <a:endParaRPr lang="es-MX"/>
           </a:p>
@@ -1004,7 +1009,7 @@
           <a:p>
             <a:fld id="{660F7321-5814-4CA6-BE0B-338FDB8CD166}" type="datetimeFigureOut">
               <a:rPr lang="es-MX" smtClean="0"/>
-              <a:t>13/02/2025</a:t>
+              <a:t>18/02/2025</a:t>
             </a:fld>
             <a:endParaRPr lang="es-MX"/>
           </a:p>
@@ -1236,7 +1241,7 @@
           <a:p>
             <a:fld id="{660F7321-5814-4CA6-BE0B-338FDB8CD166}" type="datetimeFigureOut">
               <a:rPr lang="es-MX" smtClean="0"/>
-              <a:t>13/02/2025</a:t>
+              <a:t>18/02/2025</a:t>
             </a:fld>
             <a:endParaRPr lang="es-MX"/>
           </a:p>
@@ -1603,7 +1608,7 @@
           <a:p>
             <a:fld id="{660F7321-5814-4CA6-BE0B-338FDB8CD166}" type="datetimeFigureOut">
               <a:rPr lang="es-MX" smtClean="0"/>
-              <a:t>13/02/2025</a:t>
+              <a:t>18/02/2025</a:t>
             </a:fld>
             <a:endParaRPr lang="es-MX"/>
           </a:p>
@@ -1721,7 +1726,7 @@
           <a:p>
             <a:fld id="{660F7321-5814-4CA6-BE0B-338FDB8CD166}" type="datetimeFigureOut">
               <a:rPr lang="es-MX" smtClean="0"/>
-              <a:t>13/02/2025</a:t>
+              <a:t>18/02/2025</a:t>
             </a:fld>
             <a:endParaRPr lang="es-MX"/>
           </a:p>
@@ -1816,7 +1821,7 @@
           <a:p>
             <a:fld id="{660F7321-5814-4CA6-BE0B-338FDB8CD166}" type="datetimeFigureOut">
               <a:rPr lang="es-MX" smtClean="0"/>
-              <a:t>13/02/2025</a:t>
+              <a:t>18/02/2025</a:t>
             </a:fld>
             <a:endParaRPr lang="es-MX"/>
           </a:p>
@@ -2093,7 +2098,7 @@
           <a:p>
             <a:fld id="{660F7321-5814-4CA6-BE0B-338FDB8CD166}" type="datetimeFigureOut">
               <a:rPr lang="es-MX" smtClean="0"/>
-              <a:t>13/02/2025</a:t>
+              <a:t>18/02/2025</a:t>
             </a:fld>
             <a:endParaRPr lang="es-MX"/>
           </a:p>
@@ -2346,7 +2351,7 @@
           <a:p>
             <a:fld id="{660F7321-5814-4CA6-BE0B-338FDB8CD166}" type="datetimeFigureOut">
               <a:rPr lang="es-MX" smtClean="0"/>
-              <a:t>13/02/2025</a:t>
+              <a:t>18/02/2025</a:t>
             </a:fld>
             <a:endParaRPr lang="es-MX"/>
           </a:p>
@@ -2559,7 +2564,7 @@
           <a:p>
             <a:fld id="{660F7321-5814-4CA6-BE0B-338FDB8CD166}" type="datetimeFigureOut">
               <a:rPr lang="es-MX" smtClean="0"/>
-              <a:t>13/02/2025</a:t>
+              <a:t>18/02/2025</a:t>
             </a:fld>
             <a:endParaRPr lang="es-MX"/>
           </a:p>
@@ -2953,7 +2958,7 @@
     <p:bg>
       <p:bgPr>
         <a:solidFill>
-          <a:srgbClr val="FFCCCC"/>
+          <a:srgbClr val="FFCCFF"/>
         </a:solidFill>
         <a:effectLst/>
       </p:bgPr>
@@ -2974,14 +2979,62 @@
       </p:grpSpPr>
       <p:sp>
         <p:nvSpPr>
+          <p:cNvPr id="3" name="Rectángulo 2"/>
+          <p:cNvSpPr/>
+          <p:nvPr/>
+        </p:nvSpPr>
+        <p:spPr>
+          <a:xfrm>
+            <a:off x="0" y="378781"/>
+            <a:ext cx="12192000" cy="1207162"/>
+          </a:xfrm>
+          <a:prstGeom prst="rect">
+            <a:avLst/>
+          </a:prstGeom>
+          <a:solidFill>
+            <a:schemeClr val="bg1">
+              <a:lumMod val="95000"/>
+            </a:schemeClr>
+          </a:solidFill>
+          <a:ln>
+            <a:noFill/>
+          </a:ln>
+        </p:spPr>
+        <p:style>
+          <a:lnRef idx="2">
+            <a:schemeClr val="accent1">
+              <a:shade val="50000"/>
+            </a:schemeClr>
+          </a:lnRef>
+          <a:fillRef idx="1">
+            <a:schemeClr val="accent1"/>
+          </a:fillRef>
+          <a:effectRef idx="0">
+            <a:schemeClr val="accent1"/>
+          </a:effectRef>
+          <a:fontRef idx="minor">
+            <a:schemeClr val="lt1"/>
+          </a:fontRef>
+        </p:style>
+        <p:txBody>
+          <a:bodyPr rtlCol="0" anchor="ctr"/>
+          <a:lstStyle/>
+          <a:p>
+            <a:pPr algn="ctr"/>
+            <a:endParaRPr lang="es-MX"/>
+          </a:p>
+        </p:txBody>
+      </p:sp>
+      <p:sp>
+        <p:nvSpPr>
           <p:cNvPr id="9" name="CuadroTexto 8"/>
           <p:cNvSpPr txBox="1"/>
           <p:nvPr/>
         </p:nvSpPr>
         <p:spPr>
           <a:xfrm>
-            <a:off x="3012140" y="2463501"/>
-            <a:ext cx="6917167" cy="1107996"/>
+            <a:off x="3119333" y="477947"/>
+            <a:ext cx="5922854" cy="1107996"/>
           </a:xfrm>
           <a:prstGeom prst="rect">
             <a:avLst/>
@@ -2997,7 +3050,9 @@
             <a:r>
               <a:rPr lang="es-MX" sz="6600" dirty="0" smtClean="0">
                 <a:solidFill>
-                  <a:srgbClr val="FF6699"/>
+                  <a:schemeClr val="bg1">
+                    <a:lumMod val="65000"/>
+                  </a:schemeClr>
                 </a:solidFill>
                 <a:latin typeface="Bell MT" panose="02020503060305020303" pitchFamily="18" charset="0"/>
               </a:rPr>
@@ -3005,9 +3060,180 @@
             </a:r>
             <a:endParaRPr lang="es-MX" sz="6600" dirty="0">
               <a:solidFill>
-                <a:srgbClr val="FF6699"/>
+                <a:schemeClr val="bg1">
+                  <a:lumMod val="65000"/>
+                </a:schemeClr>
               </a:solidFill>
               <a:latin typeface="Bell MT" panose="02020503060305020303" pitchFamily="18" charset="0"/>
+            </a:endParaRPr>
+          </a:p>
+        </p:txBody>
+      </p:sp>
+      <p:sp>
+        <p:nvSpPr>
+          <p:cNvPr id="2" name="CuadroTexto 1"/>
+          <p:cNvSpPr txBox="1"/>
+          <p:nvPr/>
+        </p:nvSpPr>
+        <p:spPr>
+          <a:xfrm>
+            <a:off x="862149" y="2220685"/>
+            <a:ext cx="10437222" cy="4339650"/>
+          </a:xfrm>
+          <a:prstGeom prst="rect">
+            <a:avLst/>
+          </a:prstGeom>
+          <a:noFill/>
+        </p:spPr>
+        <p:txBody>
+          <a:bodyPr wrap="square" rtlCol="0">
+            <a:spAutoFit/>
+          </a:bodyPr>
+          <a:lstStyle/>
+          <a:p>
+            <a:pPr algn="ctr"/>
+            <a:r>
+              <a:rPr lang="es-MX" sz="2800" dirty="0" smtClean="0">
+                <a:solidFill>
+                  <a:schemeClr val="bg1">
+                    <a:lumMod val="50000"/>
+                  </a:schemeClr>
+                </a:solidFill>
+                <a:latin typeface="Calibri" panose="020F0502020204030204" pitchFamily="34" charset="0"/>
+              </a:rPr>
+              <a:t>-Me llamo Natalia Acosta Estrada</a:t>
+            </a:r>
+          </a:p>
+          <a:p>
+            <a:pPr algn="ctr"/>
+            <a:endParaRPr lang="es-MX" sz="2800" dirty="0" smtClean="0">
+              <a:solidFill>
+                <a:schemeClr val="bg1">
+                  <a:lumMod val="50000"/>
+                </a:schemeClr>
+              </a:solidFill>
+              <a:latin typeface="Calibri" panose="020F0502020204030204" pitchFamily="34" charset="0"/>
+            </a:endParaRPr>
+          </a:p>
+          <a:p>
+            <a:pPr algn="ctr"/>
+            <a:r>
+              <a:rPr lang="es-MX" sz="2800" dirty="0" smtClean="0">
+                <a:solidFill>
+                  <a:schemeClr val="bg1">
+                    <a:lumMod val="50000"/>
+                  </a:schemeClr>
+                </a:solidFill>
+                <a:latin typeface="Calibri" panose="020F0502020204030204" pitchFamily="34" charset="0"/>
+              </a:rPr>
+              <a:t>-</a:t>
+            </a:r>
+            <a:r>
+              <a:rPr lang="es-MX" sz="2800" dirty="0">
+                <a:solidFill>
+                  <a:schemeClr val="bg1">
+                    <a:lumMod val="50000"/>
+                  </a:schemeClr>
+                </a:solidFill>
+                <a:latin typeface="Calibri" panose="020F0502020204030204" pitchFamily="34" charset="0"/>
+              </a:rPr>
+              <a:t>N</a:t>
+            </a:r>
+            <a:r>
+              <a:rPr lang="es-MX" sz="2800" dirty="0" smtClean="0">
+                <a:solidFill>
+                  <a:schemeClr val="bg1">
+                    <a:lumMod val="50000"/>
+                  </a:schemeClr>
+                </a:solidFill>
+                <a:latin typeface="Calibri" panose="020F0502020204030204" pitchFamily="34" charset="0"/>
+              </a:rPr>
+              <a:t>ací el 20 de agosto de 2009 en Culiacán Sinaloa</a:t>
+            </a:r>
+          </a:p>
+          <a:p>
+            <a:pPr algn="ctr"/>
+            <a:endParaRPr lang="es-MX" sz="2800" dirty="0" smtClean="0">
+              <a:solidFill>
+                <a:schemeClr val="bg1">
+                  <a:lumMod val="50000"/>
+                </a:schemeClr>
+              </a:solidFill>
+              <a:latin typeface="Calibri" panose="020F0502020204030204" pitchFamily="34" charset="0"/>
+            </a:endParaRPr>
+          </a:p>
+          <a:p>
+            <a:pPr algn="ctr"/>
+            <a:r>
+              <a:rPr lang="es-MX" sz="2800" dirty="0" smtClean="0">
+                <a:solidFill>
+                  <a:schemeClr val="bg1">
+                    <a:lumMod val="50000"/>
+                  </a:schemeClr>
+                </a:solidFill>
+                <a:latin typeface="Calibri" panose="020F0502020204030204" pitchFamily="34" charset="0"/>
+              </a:rPr>
+              <a:t>-Mi animal favorito es el gato y tengo uno </a:t>
+            </a:r>
+          </a:p>
+          <a:p>
+            <a:pPr algn="ctr"/>
+            <a:endParaRPr lang="es-MX" sz="2800" dirty="0" smtClean="0">
+              <a:solidFill>
+                <a:schemeClr val="bg1">
+                  <a:lumMod val="50000"/>
+                </a:schemeClr>
+              </a:solidFill>
+              <a:latin typeface="Calibri" panose="020F0502020204030204" pitchFamily="34" charset="0"/>
+            </a:endParaRPr>
+          </a:p>
+          <a:p>
+            <a:pPr algn="ctr"/>
+            <a:r>
+              <a:rPr lang="es-MX" sz="2800" dirty="0" smtClean="0">
+                <a:solidFill>
+                  <a:schemeClr val="bg1">
+                    <a:lumMod val="50000"/>
+                  </a:schemeClr>
+                </a:solidFill>
+                <a:latin typeface="Calibri" panose="020F0502020204030204" pitchFamily="34" charset="0"/>
+              </a:rPr>
+              <a:t>-Mi color favorito es el rosa</a:t>
+            </a:r>
+          </a:p>
+          <a:p>
+            <a:pPr algn="ctr"/>
+            <a:endParaRPr lang="es-MX" sz="2800" dirty="0">
+              <a:solidFill>
+                <a:schemeClr val="bg1">
+                  <a:lumMod val="50000"/>
+                </a:schemeClr>
+              </a:solidFill>
+              <a:latin typeface="Calibri" panose="020F0502020204030204" pitchFamily="34" charset="0"/>
+            </a:endParaRPr>
+          </a:p>
+          <a:p>
+            <a:pPr algn="ctr"/>
+            <a:r>
+              <a:rPr lang="es-MX" sz="2800" dirty="0" smtClean="0">
+                <a:solidFill>
+                  <a:schemeClr val="bg1">
+                    <a:lumMod val="50000"/>
+                  </a:schemeClr>
+                </a:solidFill>
+                <a:latin typeface="Calibri" panose="020F0502020204030204" pitchFamily="34" charset="0"/>
+              </a:rPr>
+              <a:t>-Me gusta ver películas, en especial musicales</a:t>
+            </a:r>
+          </a:p>
+          <a:p>
+            <a:endParaRPr lang="es-MX" sz="2400" dirty="0" smtClean="0">
+              <a:solidFill>
+                <a:schemeClr val="bg1">
+                  <a:lumMod val="50000"/>
+                </a:schemeClr>
+              </a:solidFill>
+              <a:latin typeface="Calibri" panose="020F0502020204030204" pitchFamily="34" charset="0"/>
             </a:endParaRPr>
           </a:p>
         </p:txBody>
